--- a/DesignDocs/Design/기획 문서/조작법.pptx
+++ b/DesignDocs/Design/기획 문서/조작법.pptx
@@ -6,6 +6,7 @@
   </p:sldMasterIdLst>
   <p:sldIdLst>
     <p:sldId id="256" r:id="rId2"/>
+    <p:sldId id="257" r:id="rId3"/>
   </p:sldIdLst>
   <p:sldSz cx="12192000" cy="6858000"/>
   <p:notesSz cx="6858000" cy="9144000"/>
@@ -104,6 +105,11 @@
       </a:defRPr>
     </a:lvl9pPr>
   </p:defaultTextStyle>
+  <p:extLst>
+    <p:ext uri="{EFAFB233-063F-42B5-8137-9DF3F51BA10A}">
+      <p15:sldGuideLst xmlns:p15="http://schemas.microsoft.com/office/powerpoint/2012/main"/>
+    </p:ext>
+  </p:extLst>
 </p:presentation>
 </file>
 
@@ -254,7 +260,7 @@
           <a:p>
             <a:fld id="{1CDD92D0-BB6B-47DC-8BB1-EB80184E59B9}" type="datetimeFigureOut">
               <a:rPr lang="ko-KR" altLang="en-US" smtClean="0"/>
-              <a:t>2018-04-04</a:t>
+              <a:t>2018-04-11</a:t>
             </a:fld>
             <a:endParaRPr lang="ko-KR" altLang="en-US"/>
           </a:p>
@@ -452,7 +458,7 @@
           <a:p>
             <a:fld id="{1CDD92D0-BB6B-47DC-8BB1-EB80184E59B9}" type="datetimeFigureOut">
               <a:rPr lang="ko-KR" altLang="en-US" smtClean="0"/>
-              <a:t>2018-04-04</a:t>
+              <a:t>2018-04-11</a:t>
             </a:fld>
             <a:endParaRPr lang="ko-KR" altLang="en-US"/>
           </a:p>
@@ -660,7 +666,7 @@
           <a:p>
             <a:fld id="{1CDD92D0-BB6B-47DC-8BB1-EB80184E59B9}" type="datetimeFigureOut">
               <a:rPr lang="ko-KR" altLang="en-US" smtClean="0"/>
-              <a:t>2018-04-04</a:t>
+              <a:t>2018-04-11</a:t>
             </a:fld>
             <a:endParaRPr lang="ko-KR" altLang="en-US"/>
           </a:p>
@@ -858,7 +864,7 @@
           <a:p>
             <a:fld id="{1CDD92D0-BB6B-47DC-8BB1-EB80184E59B9}" type="datetimeFigureOut">
               <a:rPr lang="ko-KR" altLang="en-US" smtClean="0"/>
-              <a:t>2018-04-04</a:t>
+              <a:t>2018-04-11</a:t>
             </a:fld>
             <a:endParaRPr lang="ko-KR" altLang="en-US"/>
           </a:p>
@@ -1133,7 +1139,7 @@
           <a:p>
             <a:fld id="{1CDD92D0-BB6B-47DC-8BB1-EB80184E59B9}" type="datetimeFigureOut">
               <a:rPr lang="ko-KR" altLang="en-US" smtClean="0"/>
-              <a:t>2018-04-04</a:t>
+              <a:t>2018-04-11</a:t>
             </a:fld>
             <a:endParaRPr lang="ko-KR" altLang="en-US"/>
           </a:p>
@@ -1398,7 +1404,7 @@
           <a:p>
             <a:fld id="{1CDD92D0-BB6B-47DC-8BB1-EB80184E59B9}" type="datetimeFigureOut">
               <a:rPr lang="ko-KR" altLang="en-US" smtClean="0"/>
-              <a:t>2018-04-04</a:t>
+              <a:t>2018-04-11</a:t>
             </a:fld>
             <a:endParaRPr lang="ko-KR" altLang="en-US"/>
           </a:p>
@@ -1810,7 +1816,7 @@
           <a:p>
             <a:fld id="{1CDD92D0-BB6B-47DC-8BB1-EB80184E59B9}" type="datetimeFigureOut">
               <a:rPr lang="ko-KR" altLang="en-US" smtClean="0"/>
-              <a:t>2018-04-04</a:t>
+              <a:t>2018-04-11</a:t>
             </a:fld>
             <a:endParaRPr lang="ko-KR" altLang="en-US"/>
           </a:p>
@@ -1951,7 +1957,7 @@
           <a:p>
             <a:fld id="{1CDD92D0-BB6B-47DC-8BB1-EB80184E59B9}" type="datetimeFigureOut">
               <a:rPr lang="ko-KR" altLang="en-US" smtClean="0"/>
-              <a:t>2018-04-04</a:t>
+              <a:t>2018-04-11</a:t>
             </a:fld>
             <a:endParaRPr lang="ko-KR" altLang="en-US"/>
           </a:p>
@@ -2064,7 +2070,7 @@
           <a:p>
             <a:fld id="{1CDD92D0-BB6B-47DC-8BB1-EB80184E59B9}" type="datetimeFigureOut">
               <a:rPr lang="ko-KR" altLang="en-US" smtClean="0"/>
-              <a:t>2018-04-04</a:t>
+              <a:t>2018-04-11</a:t>
             </a:fld>
             <a:endParaRPr lang="ko-KR" altLang="en-US"/>
           </a:p>
@@ -2375,7 +2381,7 @@
           <a:p>
             <a:fld id="{1CDD92D0-BB6B-47DC-8BB1-EB80184E59B9}" type="datetimeFigureOut">
               <a:rPr lang="ko-KR" altLang="en-US" smtClean="0"/>
-              <a:t>2018-04-04</a:t>
+              <a:t>2018-04-11</a:t>
             </a:fld>
             <a:endParaRPr lang="ko-KR" altLang="en-US"/>
           </a:p>
@@ -2663,7 +2669,7 @@
           <a:p>
             <a:fld id="{1CDD92D0-BB6B-47DC-8BB1-EB80184E59B9}" type="datetimeFigureOut">
               <a:rPr lang="ko-KR" altLang="en-US" smtClean="0"/>
-              <a:t>2018-04-04</a:t>
+              <a:t>2018-04-11</a:t>
             </a:fld>
             <a:endParaRPr lang="ko-KR" altLang="en-US"/>
           </a:p>
@@ -2904,7 +2910,7 @@
           <a:p>
             <a:fld id="{1CDD92D0-BB6B-47DC-8BB1-EB80184E59B9}" type="datetimeFigureOut">
               <a:rPr lang="ko-KR" altLang="en-US" smtClean="0"/>
-              <a:t>2018-04-04</a:t>
+              <a:t>2018-04-11</a:t>
             </a:fld>
             <a:endParaRPr lang="ko-KR" altLang="en-US"/>
           </a:p>
@@ -3893,15 +3899,15 @@
         </p:nvSpPr>
         <p:spPr>
           <a:xfrm>
-            <a:off x="297297" y="4689188"/>
+            <a:off x="960411" y="5083089"/>
             <a:ext cx="1847461" cy="811976"/>
           </a:xfrm>
           <a:prstGeom prst="borderCallout1">
             <a:avLst>
               <a:gd name="adj1" fmla="val -1934"/>
               <a:gd name="adj2" fmla="val 40152"/>
-              <a:gd name="adj3" fmla="val -61018"/>
-              <a:gd name="adj4" fmla="val 55606"/>
+              <a:gd name="adj3" fmla="val -109577"/>
+              <a:gd name="adj4" fmla="val 25637"/>
             </a:avLst>
           </a:prstGeom>
           <a:ln w="31750"/>
@@ -3989,10 +3995,781 @@
           </a:p>
         </p:txBody>
       </p:sp>
+      <p:sp>
+        <p:nvSpPr>
+          <p:cNvPr id="18" name="직사각형 17">
+            <a:extLst>
+              <a:ext uri="{FF2B5EF4-FFF2-40B4-BE49-F238E27FC236}">
+                <a16:creationId xmlns:a16="http://schemas.microsoft.com/office/drawing/2014/main" id="{18DB6102-36E7-4251-A61C-34629A25DD47}"/>
+              </a:ext>
+            </a:extLst>
+          </p:cNvPr>
+          <p:cNvSpPr/>
+          <p:nvPr/>
+        </p:nvSpPr>
+        <p:spPr>
+          <a:xfrm>
+            <a:off x="206557" y="2900496"/>
+            <a:ext cx="709127" cy="604263"/>
+          </a:xfrm>
+          <a:prstGeom prst="rect">
+            <a:avLst/>
+          </a:prstGeom>
+          <a:solidFill>
+            <a:schemeClr val="accent4">
+              <a:lumMod val="60000"/>
+              <a:lumOff val="40000"/>
+              <a:alpha val="20000"/>
+            </a:schemeClr>
+          </a:solidFill>
+        </p:spPr>
+        <p:style>
+          <a:lnRef idx="2">
+            <a:schemeClr val="accent1">
+              <a:shade val="50000"/>
+            </a:schemeClr>
+          </a:lnRef>
+          <a:fillRef idx="1">
+            <a:schemeClr val="accent1"/>
+          </a:fillRef>
+          <a:effectRef idx="0">
+            <a:schemeClr val="accent1"/>
+          </a:effectRef>
+          <a:fontRef idx="minor">
+            <a:schemeClr val="lt1"/>
+          </a:fontRef>
+        </p:style>
+        <p:txBody>
+          <a:bodyPr rtlCol="0" anchor="ctr"/>
+          <a:lstStyle/>
+          <a:p>
+            <a:pPr algn="ctr"/>
+            <a:endParaRPr lang="ko-KR" altLang="en-US"/>
+          </a:p>
+        </p:txBody>
+      </p:sp>
+      <p:sp>
+        <p:nvSpPr>
+          <p:cNvPr id="19" name="설명선: 선 18">
+            <a:extLst>
+              <a:ext uri="{FF2B5EF4-FFF2-40B4-BE49-F238E27FC236}">
+                <a16:creationId xmlns:a16="http://schemas.microsoft.com/office/drawing/2014/main" id="{9A77A696-5955-408D-A298-ABE179393663}"/>
+              </a:ext>
+            </a:extLst>
+          </p:cNvPr>
+          <p:cNvSpPr/>
+          <p:nvPr/>
+        </p:nvSpPr>
+        <p:spPr>
+          <a:xfrm>
+            <a:off x="136650" y="5978510"/>
+            <a:ext cx="1847461" cy="811976"/>
+          </a:xfrm>
+          <a:prstGeom prst="borderCallout1">
+            <a:avLst>
+              <a:gd name="adj1" fmla="val -1934"/>
+              <a:gd name="adj2" fmla="val 14900"/>
+              <a:gd name="adj3" fmla="val -303779"/>
+              <a:gd name="adj4" fmla="val 15536"/>
+            </a:avLst>
+          </a:prstGeom>
+          <a:ln w="31750"/>
+        </p:spPr>
+        <p:style>
+          <a:lnRef idx="2">
+            <a:schemeClr val="dk1">
+              <a:shade val="50000"/>
+            </a:schemeClr>
+          </a:lnRef>
+          <a:fillRef idx="1">
+            <a:schemeClr val="dk1"/>
+          </a:fillRef>
+          <a:effectRef idx="0">
+            <a:schemeClr val="dk1"/>
+          </a:effectRef>
+          <a:fontRef idx="minor">
+            <a:schemeClr val="lt1"/>
+          </a:fontRef>
+        </p:style>
+        <p:txBody>
+          <a:bodyPr rtlCol="0" anchor="ctr"/>
+          <a:lstStyle/>
+          <a:p>
+            <a:pPr algn="ctr"/>
+            <a:r>
+              <a:rPr lang="ko-KR" altLang="en-US" dirty="0"/>
+              <a:t>스킬 세팅 메뉴</a:t>
+            </a:r>
+          </a:p>
+        </p:txBody>
+      </p:sp>
+      <p:sp>
+        <p:nvSpPr>
+          <p:cNvPr id="20" name="직사각형 19">
+            <a:extLst>
+              <a:ext uri="{FF2B5EF4-FFF2-40B4-BE49-F238E27FC236}">
+                <a16:creationId xmlns:a16="http://schemas.microsoft.com/office/drawing/2014/main" id="{E4423738-7C71-4A76-983C-16579FF80D01}"/>
+              </a:ext>
+            </a:extLst>
+          </p:cNvPr>
+          <p:cNvSpPr/>
+          <p:nvPr/>
+        </p:nvSpPr>
+        <p:spPr>
+          <a:xfrm>
+            <a:off x="3013788" y="2900495"/>
+            <a:ext cx="521231" cy="604264"/>
+          </a:xfrm>
+          <a:prstGeom prst="rect">
+            <a:avLst/>
+          </a:prstGeom>
+          <a:solidFill>
+            <a:srgbClr val="00B050">
+              <a:alpha val="20000"/>
+            </a:srgbClr>
+          </a:solidFill>
+        </p:spPr>
+        <p:style>
+          <a:lnRef idx="2">
+            <a:schemeClr val="accent1">
+              <a:shade val="50000"/>
+            </a:schemeClr>
+          </a:lnRef>
+          <a:fillRef idx="1">
+            <a:schemeClr val="accent1"/>
+          </a:fillRef>
+          <a:effectRef idx="0">
+            <a:schemeClr val="accent1"/>
+          </a:effectRef>
+          <a:fontRef idx="minor">
+            <a:schemeClr val="lt1"/>
+          </a:fontRef>
+        </p:style>
+        <p:txBody>
+          <a:bodyPr rtlCol="0" anchor="ctr"/>
+          <a:lstStyle/>
+          <a:p>
+            <a:pPr algn="ctr"/>
+            <a:endParaRPr lang="ko-KR" altLang="en-US"/>
+          </a:p>
+        </p:txBody>
+      </p:sp>
+      <p:sp>
+        <p:nvSpPr>
+          <p:cNvPr id="21" name="설명선: 선 20">
+            <a:extLst>
+              <a:ext uri="{FF2B5EF4-FFF2-40B4-BE49-F238E27FC236}">
+                <a16:creationId xmlns:a16="http://schemas.microsoft.com/office/drawing/2014/main" id="{0CCAB9B9-AA8E-45C7-BD33-52D99843CE27}"/>
+              </a:ext>
+            </a:extLst>
+          </p:cNvPr>
+          <p:cNvSpPr/>
+          <p:nvPr/>
+        </p:nvSpPr>
+        <p:spPr>
+          <a:xfrm>
+            <a:off x="4599993" y="3028897"/>
+            <a:ext cx="1847461" cy="811976"/>
+          </a:xfrm>
+          <a:prstGeom prst="borderCallout1">
+            <a:avLst>
+              <a:gd name="adj1" fmla="val 49776"/>
+              <a:gd name="adj2" fmla="val 758"/>
+              <a:gd name="adj3" fmla="val 9078"/>
+              <a:gd name="adj4" fmla="val -58030"/>
+            </a:avLst>
+          </a:prstGeom>
+          <a:ln w="31750"/>
+        </p:spPr>
+        <p:style>
+          <a:lnRef idx="2">
+            <a:schemeClr val="dk1">
+              <a:shade val="50000"/>
+            </a:schemeClr>
+          </a:lnRef>
+          <a:fillRef idx="1">
+            <a:schemeClr val="dk1"/>
+          </a:fillRef>
+          <a:effectRef idx="0">
+            <a:schemeClr val="dk1"/>
+          </a:effectRef>
+          <a:fontRef idx="minor">
+            <a:schemeClr val="lt1"/>
+          </a:fontRef>
+        </p:style>
+        <p:txBody>
+          <a:bodyPr rtlCol="0" anchor="ctr"/>
+          <a:lstStyle/>
+          <a:p>
+            <a:pPr algn="ctr"/>
+            <a:r>
+              <a:rPr lang="ko-KR" altLang="en-US" dirty="0"/>
+              <a:t>스킬 합성 메뉴</a:t>
+            </a:r>
+          </a:p>
+        </p:txBody>
+      </p:sp>
     </p:spTree>
     <p:extLst>
       <p:ext uri="{BB962C8B-B14F-4D97-AF65-F5344CB8AC3E}">
         <p14:creationId xmlns:p14="http://schemas.microsoft.com/office/powerpoint/2010/main" val="3669735959"/>
+      </p:ext>
+    </p:extLst>
+  </p:cSld>
+  <p:clrMapOvr>
+    <a:masterClrMapping/>
+  </p:clrMapOvr>
+</p:sld>
+</file>
+
+<file path=ppt/slides/slide2.xml><?xml version="1.0" encoding="utf-8"?>
+<p:sld xmlns:a="http://schemas.openxmlformats.org/drawingml/2006/main" xmlns:r="http://schemas.openxmlformats.org/officeDocument/2006/relationships" xmlns:p="http://schemas.openxmlformats.org/presentationml/2006/main">
+  <p:cSld>
+    <p:spTree>
+      <p:nvGrpSpPr>
+        <p:cNvPr id="1" name=""/>
+        <p:cNvGrpSpPr/>
+        <p:nvPr/>
+      </p:nvGrpSpPr>
+      <p:grpSpPr>
+        <a:xfrm>
+          <a:off x="0" y="0"/>
+          <a:ext cx="0" cy="0"/>
+          <a:chOff x="0" y="0"/>
+          <a:chExt cx="0" cy="0"/>
+        </a:xfrm>
+      </p:grpSpPr>
+      <p:pic>
+        <p:nvPicPr>
+          <p:cNvPr id="5" name="그림 4">
+            <a:extLst>
+              <a:ext uri="{FF2B5EF4-FFF2-40B4-BE49-F238E27FC236}">
+                <a16:creationId xmlns:a16="http://schemas.microsoft.com/office/drawing/2014/main" id="{3C18205E-69F6-413D-B651-E2FC9CD07F83}"/>
+              </a:ext>
+            </a:extLst>
+          </p:cNvPr>
+          <p:cNvPicPr>
+            <a:picLocks noChangeAspect="1"/>
+          </p:cNvPicPr>
+          <p:nvPr/>
+        </p:nvPicPr>
+        <p:blipFill>
+          <a:blip r:embed="rId2"/>
+          <a:stretch>
+            <a:fillRect/>
+          </a:stretch>
+        </p:blipFill>
+        <p:spPr>
+          <a:xfrm>
+            <a:off x="1641247" y="1054359"/>
+            <a:ext cx="8909506" cy="4749282"/>
+          </a:xfrm>
+          <a:prstGeom prst="rect">
+            <a:avLst/>
+          </a:prstGeom>
+        </p:spPr>
+      </p:pic>
+      <p:sp>
+        <p:nvSpPr>
+          <p:cNvPr id="6" name="직사각형 5">
+            <a:extLst>
+              <a:ext uri="{FF2B5EF4-FFF2-40B4-BE49-F238E27FC236}">
+                <a16:creationId xmlns:a16="http://schemas.microsoft.com/office/drawing/2014/main" id="{A14027FE-43CD-4236-ABC9-F66807FB8D82}"/>
+              </a:ext>
+            </a:extLst>
+          </p:cNvPr>
+          <p:cNvSpPr/>
+          <p:nvPr/>
+        </p:nvSpPr>
+        <p:spPr>
+          <a:xfrm>
+            <a:off x="391885" y="923731"/>
+            <a:ext cx="1642188" cy="587828"/>
+          </a:xfrm>
+          <a:prstGeom prst="rect">
+            <a:avLst/>
+          </a:prstGeom>
+        </p:spPr>
+        <p:style>
+          <a:lnRef idx="2">
+            <a:schemeClr val="dk1">
+              <a:shade val="50000"/>
+            </a:schemeClr>
+          </a:lnRef>
+          <a:fillRef idx="1">
+            <a:schemeClr val="dk1"/>
+          </a:fillRef>
+          <a:effectRef idx="0">
+            <a:schemeClr val="dk1"/>
+          </a:effectRef>
+          <a:fontRef idx="minor">
+            <a:schemeClr val="lt1"/>
+          </a:fontRef>
+        </p:style>
+        <p:txBody>
+          <a:bodyPr rtlCol="0" anchor="ctr"/>
+          <a:lstStyle/>
+          <a:p>
+            <a:pPr algn="ctr"/>
+            <a:r>
+              <a:rPr lang="ko-KR" altLang="en-US" dirty="0"/>
+              <a:t>근접 공격</a:t>
+            </a:r>
+          </a:p>
+        </p:txBody>
+      </p:sp>
+      <p:sp>
+        <p:nvSpPr>
+          <p:cNvPr id="7" name="직사각형 6">
+            <a:extLst>
+              <a:ext uri="{FF2B5EF4-FFF2-40B4-BE49-F238E27FC236}">
+                <a16:creationId xmlns:a16="http://schemas.microsoft.com/office/drawing/2014/main" id="{DBB8F764-33D4-4A9E-8128-9007D88E736C}"/>
+              </a:ext>
+            </a:extLst>
+          </p:cNvPr>
+          <p:cNvSpPr/>
+          <p:nvPr/>
+        </p:nvSpPr>
+        <p:spPr>
+          <a:xfrm>
+            <a:off x="9937102" y="923731"/>
+            <a:ext cx="613648" cy="587828"/>
+          </a:xfrm>
+          <a:prstGeom prst="rect">
+            <a:avLst/>
+          </a:prstGeom>
+        </p:spPr>
+        <p:style>
+          <a:lnRef idx="2">
+            <a:schemeClr val="dk1">
+              <a:shade val="50000"/>
+            </a:schemeClr>
+          </a:lnRef>
+          <a:fillRef idx="1">
+            <a:schemeClr val="dk1"/>
+          </a:fillRef>
+          <a:effectRef idx="0">
+            <a:schemeClr val="dk1"/>
+          </a:effectRef>
+          <a:fontRef idx="minor">
+            <a:schemeClr val="lt1"/>
+          </a:fontRef>
+        </p:style>
+        <p:txBody>
+          <a:bodyPr rtlCol="0" anchor="ctr"/>
+          <a:lstStyle/>
+          <a:p>
+            <a:pPr algn="ctr"/>
+            <a:r>
+              <a:rPr lang="en-US" altLang="ko-KR" dirty="0"/>
+              <a:t>R</a:t>
+            </a:r>
+            <a:endParaRPr lang="ko-KR" altLang="en-US" dirty="0"/>
+          </a:p>
+        </p:txBody>
+      </p:sp>
+      <p:sp>
+        <p:nvSpPr>
+          <p:cNvPr id="8" name="직사각형 7">
+            <a:extLst>
+              <a:ext uri="{FF2B5EF4-FFF2-40B4-BE49-F238E27FC236}">
+                <a16:creationId xmlns:a16="http://schemas.microsoft.com/office/drawing/2014/main" id="{51B6CBEB-C245-415F-AB8F-5A0E1E091381}"/>
+              </a:ext>
+            </a:extLst>
+          </p:cNvPr>
+          <p:cNvSpPr/>
+          <p:nvPr/>
+        </p:nvSpPr>
+        <p:spPr>
+          <a:xfrm>
+            <a:off x="261257" y="2929812"/>
+            <a:ext cx="1903444" cy="587828"/>
+          </a:xfrm>
+          <a:prstGeom prst="rect">
+            <a:avLst/>
+          </a:prstGeom>
+        </p:spPr>
+        <p:style>
+          <a:lnRef idx="2">
+            <a:schemeClr val="dk1">
+              <a:shade val="50000"/>
+            </a:schemeClr>
+          </a:lnRef>
+          <a:fillRef idx="1">
+            <a:schemeClr val="dk1"/>
+          </a:fillRef>
+          <a:effectRef idx="0">
+            <a:schemeClr val="dk1"/>
+          </a:effectRef>
+          <a:fontRef idx="minor">
+            <a:schemeClr val="lt1"/>
+          </a:fontRef>
+        </p:style>
+        <p:txBody>
+          <a:bodyPr rtlCol="0" anchor="ctr"/>
+          <a:lstStyle/>
+          <a:p>
+            <a:pPr algn="ctr"/>
+            <a:r>
+              <a:rPr lang="ko-KR" altLang="en-US"/>
+              <a:t>이동 및 방향키</a:t>
+            </a:r>
+            <a:endParaRPr lang="ko-KR" altLang="en-US" dirty="0"/>
+          </a:p>
+        </p:txBody>
+      </p:sp>
+      <p:sp>
+        <p:nvSpPr>
+          <p:cNvPr id="9" name="직사각형 8">
+            <a:extLst>
+              <a:ext uri="{FF2B5EF4-FFF2-40B4-BE49-F238E27FC236}">
+                <a16:creationId xmlns:a16="http://schemas.microsoft.com/office/drawing/2014/main" id="{3BDA0B3D-A735-471D-87CC-004159D445AF}"/>
+              </a:ext>
+            </a:extLst>
+          </p:cNvPr>
+          <p:cNvSpPr/>
+          <p:nvPr/>
+        </p:nvSpPr>
+        <p:spPr>
+          <a:xfrm>
+            <a:off x="9937100" y="4086808"/>
+            <a:ext cx="613651" cy="587828"/>
+          </a:xfrm>
+          <a:prstGeom prst="rect">
+            <a:avLst/>
+          </a:prstGeom>
+        </p:spPr>
+        <p:style>
+          <a:lnRef idx="2">
+            <a:schemeClr val="dk1">
+              <a:shade val="50000"/>
+            </a:schemeClr>
+          </a:lnRef>
+          <a:fillRef idx="1">
+            <a:schemeClr val="dk1"/>
+          </a:fillRef>
+          <a:effectRef idx="0">
+            <a:schemeClr val="dk1"/>
+          </a:effectRef>
+          <a:fontRef idx="minor">
+            <a:schemeClr val="lt1"/>
+          </a:fontRef>
+        </p:style>
+        <p:txBody>
+          <a:bodyPr rtlCol="0" anchor="ctr"/>
+          <a:lstStyle/>
+          <a:p>
+            <a:pPr algn="ctr"/>
+            <a:r>
+              <a:rPr lang="en-US" altLang="ko-KR" dirty="0"/>
+              <a:t>Q</a:t>
+            </a:r>
+            <a:endParaRPr lang="ko-KR" altLang="en-US" dirty="0"/>
+          </a:p>
+        </p:txBody>
+      </p:sp>
+      <p:sp>
+        <p:nvSpPr>
+          <p:cNvPr id="10" name="직사각형 9">
+            <a:extLst>
+              <a:ext uri="{FF2B5EF4-FFF2-40B4-BE49-F238E27FC236}">
+                <a16:creationId xmlns:a16="http://schemas.microsoft.com/office/drawing/2014/main" id="{7C66B74A-D070-4B81-9DC2-ABFF49E54C74}"/>
+              </a:ext>
+            </a:extLst>
+          </p:cNvPr>
+          <p:cNvSpPr/>
+          <p:nvPr/>
+        </p:nvSpPr>
+        <p:spPr>
+          <a:xfrm>
+            <a:off x="9937102" y="4702628"/>
+            <a:ext cx="979714" cy="587828"/>
+          </a:xfrm>
+          <a:prstGeom prst="rect">
+            <a:avLst/>
+          </a:prstGeom>
+        </p:spPr>
+        <p:style>
+          <a:lnRef idx="2">
+            <a:schemeClr val="dk1">
+              <a:shade val="50000"/>
+            </a:schemeClr>
+          </a:lnRef>
+          <a:fillRef idx="1">
+            <a:schemeClr val="dk1"/>
+          </a:fillRef>
+          <a:effectRef idx="0">
+            <a:schemeClr val="dk1"/>
+          </a:effectRef>
+          <a:fontRef idx="minor">
+            <a:schemeClr val="lt1"/>
+          </a:fontRef>
+        </p:style>
+        <p:txBody>
+          <a:bodyPr rtlCol="0" anchor="ctr"/>
+          <a:lstStyle/>
+          <a:p>
+            <a:pPr algn="ctr"/>
+            <a:r>
+              <a:rPr lang="ko-KR" altLang="en-US" dirty="0"/>
+              <a:t>점프</a:t>
+            </a:r>
+          </a:p>
+        </p:txBody>
+      </p:sp>
+      <p:sp>
+        <p:nvSpPr>
+          <p:cNvPr id="11" name="직사각형 10">
+            <a:extLst>
+              <a:ext uri="{FF2B5EF4-FFF2-40B4-BE49-F238E27FC236}">
+                <a16:creationId xmlns:a16="http://schemas.microsoft.com/office/drawing/2014/main" id="{9A6B481B-9EF8-4119-A897-4DAC0BD6EEE4}"/>
+              </a:ext>
+            </a:extLst>
+          </p:cNvPr>
+          <p:cNvSpPr/>
+          <p:nvPr/>
+        </p:nvSpPr>
+        <p:spPr>
+          <a:xfrm>
+            <a:off x="9937101" y="3470989"/>
+            <a:ext cx="613651" cy="587828"/>
+          </a:xfrm>
+          <a:prstGeom prst="rect">
+            <a:avLst/>
+          </a:prstGeom>
+        </p:spPr>
+        <p:style>
+          <a:lnRef idx="2">
+            <a:schemeClr val="dk1">
+              <a:shade val="50000"/>
+            </a:schemeClr>
+          </a:lnRef>
+          <a:fillRef idx="1">
+            <a:schemeClr val="dk1"/>
+          </a:fillRef>
+          <a:effectRef idx="0">
+            <a:schemeClr val="dk1"/>
+          </a:effectRef>
+          <a:fontRef idx="minor">
+            <a:schemeClr val="lt1"/>
+          </a:fontRef>
+        </p:style>
+        <p:txBody>
+          <a:bodyPr rtlCol="0" anchor="ctr"/>
+          <a:lstStyle/>
+          <a:p>
+            <a:pPr algn="ctr"/>
+            <a:r>
+              <a:rPr lang="en-US" altLang="ko-KR" dirty="0"/>
+              <a:t>E</a:t>
+            </a:r>
+            <a:endParaRPr lang="ko-KR" altLang="en-US" dirty="0"/>
+          </a:p>
+        </p:txBody>
+      </p:sp>
+      <p:sp>
+        <p:nvSpPr>
+          <p:cNvPr id="12" name="직사각형 11">
+            <a:extLst>
+              <a:ext uri="{FF2B5EF4-FFF2-40B4-BE49-F238E27FC236}">
+                <a16:creationId xmlns:a16="http://schemas.microsoft.com/office/drawing/2014/main" id="{8CA8DC4A-4085-4BFC-B9D6-D3902936A5F3}"/>
+              </a:ext>
+            </a:extLst>
+          </p:cNvPr>
+          <p:cNvSpPr/>
+          <p:nvPr/>
+        </p:nvSpPr>
+        <p:spPr>
+          <a:xfrm>
+            <a:off x="9937099" y="2841172"/>
+            <a:ext cx="613651" cy="587828"/>
+          </a:xfrm>
+          <a:prstGeom prst="rect">
+            <a:avLst/>
+          </a:prstGeom>
+        </p:spPr>
+        <p:style>
+          <a:lnRef idx="2">
+            <a:schemeClr val="dk1">
+              <a:shade val="50000"/>
+            </a:schemeClr>
+          </a:lnRef>
+          <a:fillRef idx="1">
+            <a:schemeClr val="dk1"/>
+          </a:fillRef>
+          <a:effectRef idx="0">
+            <a:schemeClr val="dk1"/>
+          </a:effectRef>
+          <a:fontRef idx="minor">
+            <a:schemeClr val="lt1"/>
+          </a:fontRef>
+        </p:style>
+        <p:txBody>
+          <a:bodyPr rtlCol="0" anchor="ctr"/>
+          <a:lstStyle/>
+          <a:p>
+            <a:pPr algn="ctr"/>
+            <a:r>
+              <a:rPr lang="en-US" altLang="ko-KR" dirty="0"/>
+              <a:t>W</a:t>
+            </a:r>
+            <a:endParaRPr lang="ko-KR" altLang="en-US" dirty="0"/>
+          </a:p>
+        </p:txBody>
+      </p:sp>
+      <p:sp>
+        <p:nvSpPr>
+          <p:cNvPr id="13" name="직사각형 12">
+            <a:extLst>
+              <a:ext uri="{FF2B5EF4-FFF2-40B4-BE49-F238E27FC236}">
+                <a16:creationId xmlns:a16="http://schemas.microsoft.com/office/drawing/2014/main" id="{329E7EA2-8945-4A02-84D2-EC0C07F1CC76}"/>
+              </a:ext>
+            </a:extLst>
+          </p:cNvPr>
+          <p:cNvSpPr/>
+          <p:nvPr/>
+        </p:nvSpPr>
+        <p:spPr>
+          <a:xfrm>
+            <a:off x="4133461" y="5640355"/>
+            <a:ext cx="1882616" cy="587828"/>
+          </a:xfrm>
+          <a:prstGeom prst="rect">
+            <a:avLst/>
+          </a:prstGeom>
+        </p:spPr>
+        <p:style>
+          <a:lnRef idx="2">
+            <a:schemeClr val="dk1">
+              <a:shade val="50000"/>
+            </a:schemeClr>
+          </a:lnRef>
+          <a:fillRef idx="1">
+            <a:schemeClr val="dk1"/>
+          </a:fillRef>
+          <a:effectRef idx="0">
+            <a:schemeClr val="dk1"/>
+          </a:effectRef>
+          <a:fontRef idx="minor">
+            <a:schemeClr val="lt1"/>
+          </a:fontRef>
+        </p:style>
+        <p:txBody>
+          <a:bodyPr rtlCol="0" anchor="ctr"/>
+          <a:lstStyle/>
+          <a:p>
+            <a:pPr algn="ctr"/>
+            <a:r>
+              <a:rPr lang="ko-KR" altLang="en-US"/>
+              <a:t>스킬 세팅 메뉴</a:t>
+            </a:r>
+            <a:endParaRPr lang="ko-KR" altLang="en-US" dirty="0"/>
+          </a:p>
+        </p:txBody>
+      </p:sp>
+      <p:sp>
+        <p:nvSpPr>
+          <p:cNvPr id="14" name="직사각형 13">
+            <a:extLst>
+              <a:ext uri="{FF2B5EF4-FFF2-40B4-BE49-F238E27FC236}">
+                <a16:creationId xmlns:a16="http://schemas.microsoft.com/office/drawing/2014/main" id="{D883571F-90CF-4D52-86CF-93692FF36B4C}"/>
+              </a:ext>
+            </a:extLst>
+          </p:cNvPr>
+          <p:cNvSpPr/>
+          <p:nvPr/>
+        </p:nvSpPr>
+        <p:spPr>
+          <a:xfrm>
+            <a:off x="391885" y="1698172"/>
+            <a:ext cx="1642188" cy="587828"/>
+          </a:xfrm>
+          <a:prstGeom prst="rect">
+            <a:avLst/>
+          </a:prstGeom>
+        </p:spPr>
+        <p:style>
+          <a:lnRef idx="2">
+            <a:schemeClr val="dk1">
+              <a:shade val="50000"/>
+            </a:schemeClr>
+          </a:lnRef>
+          <a:fillRef idx="1">
+            <a:schemeClr val="dk1"/>
+          </a:fillRef>
+          <a:effectRef idx="0">
+            <a:schemeClr val="dk1"/>
+          </a:effectRef>
+          <a:fontRef idx="minor">
+            <a:schemeClr val="lt1"/>
+          </a:fontRef>
+        </p:style>
+        <p:txBody>
+          <a:bodyPr rtlCol="0" anchor="ctr"/>
+          <a:lstStyle/>
+          <a:p>
+            <a:pPr algn="ctr"/>
+            <a:r>
+              <a:rPr lang="ko-KR" altLang="en-US" dirty="0"/>
+              <a:t>원거리 공격</a:t>
+            </a:r>
+          </a:p>
+        </p:txBody>
+      </p:sp>
+      <p:sp>
+        <p:nvSpPr>
+          <p:cNvPr id="16" name="직사각형 15">
+            <a:extLst>
+              <a:ext uri="{FF2B5EF4-FFF2-40B4-BE49-F238E27FC236}">
+                <a16:creationId xmlns:a16="http://schemas.microsoft.com/office/drawing/2014/main" id="{048EB2BC-FC0E-452B-932B-9036E7C7FB69}"/>
+              </a:ext>
+            </a:extLst>
+          </p:cNvPr>
+          <p:cNvSpPr/>
+          <p:nvPr/>
+        </p:nvSpPr>
+        <p:spPr>
+          <a:xfrm>
+            <a:off x="3987280" y="676469"/>
+            <a:ext cx="1741716" cy="587828"/>
+          </a:xfrm>
+          <a:prstGeom prst="rect">
+            <a:avLst/>
+          </a:prstGeom>
+        </p:spPr>
+        <p:style>
+          <a:lnRef idx="2">
+            <a:schemeClr val="dk1">
+              <a:shade val="50000"/>
+            </a:schemeClr>
+          </a:lnRef>
+          <a:fillRef idx="1">
+            <a:schemeClr val="dk1"/>
+          </a:fillRef>
+          <a:effectRef idx="0">
+            <a:schemeClr val="dk1"/>
+          </a:effectRef>
+          <a:fontRef idx="minor">
+            <a:schemeClr val="lt1"/>
+          </a:fontRef>
+        </p:style>
+        <p:txBody>
+          <a:bodyPr rtlCol="0" anchor="ctr"/>
+          <a:lstStyle/>
+          <a:p>
+            <a:pPr algn="ctr"/>
+            <a:r>
+              <a:rPr lang="ko-KR" altLang="en-US"/>
+              <a:t>메뉴 및 나가기</a:t>
+            </a:r>
+            <a:endParaRPr lang="ko-KR" altLang="en-US" dirty="0"/>
+          </a:p>
+        </p:txBody>
+      </p:sp>
+    </p:spTree>
+    <p:extLst>
+      <p:ext uri="{BB962C8B-B14F-4D97-AF65-F5344CB8AC3E}">
+        <p14:creationId xmlns:p14="http://schemas.microsoft.com/office/powerpoint/2010/main" val="1467935223"/>
       </p:ext>
     </p:extLst>
   </p:cSld>

--- a/DesignDocs/Design/기획 문서/조작법.pptx
+++ b/DesignDocs/Design/기획 문서/조작법.pptx
@@ -260,7 +260,7 @@
           <a:p>
             <a:fld id="{1CDD92D0-BB6B-47DC-8BB1-EB80184E59B9}" type="datetimeFigureOut">
               <a:rPr lang="ko-KR" altLang="en-US" smtClean="0"/>
-              <a:t>2018-04-11</a:t>
+              <a:t>2018-04-16</a:t>
             </a:fld>
             <a:endParaRPr lang="ko-KR" altLang="en-US"/>
           </a:p>
@@ -458,7 +458,7 @@
           <a:p>
             <a:fld id="{1CDD92D0-BB6B-47DC-8BB1-EB80184E59B9}" type="datetimeFigureOut">
               <a:rPr lang="ko-KR" altLang="en-US" smtClean="0"/>
-              <a:t>2018-04-11</a:t>
+              <a:t>2018-04-16</a:t>
             </a:fld>
             <a:endParaRPr lang="ko-KR" altLang="en-US"/>
           </a:p>
@@ -666,7 +666,7 @@
           <a:p>
             <a:fld id="{1CDD92D0-BB6B-47DC-8BB1-EB80184E59B9}" type="datetimeFigureOut">
               <a:rPr lang="ko-KR" altLang="en-US" smtClean="0"/>
-              <a:t>2018-04-11</a:t>
+              <a:t>2018-04-16</a:t>
             </a:fld>
             <a:endParaRPr lang="ko-KR" altLang="en-US"/>
           </a:p>
@@ -864,7 +864,7 @@
           <a:p>
             <a:fld id="{1CDD92D0-BB6B-47DC-8BB1-EB80184E59B9}" type="datetimeFigureOut">
               <a:rPr lang="ko-KR" altLang="en-US" smtClean="0"/>
-              <a:t>2018-04-11</a:t>
+              <a:t>2018-04-16</a:t>
             </a:fld>
             <a:endParaRPr lang="ko-KR" altLang="en-US"/>
           </a:p>
@@ -1139,7 +1139,7 @@
           <a:p>
             <a:fld id="{1CDD92D0-BB6B-47DC-8BB1-EB80184E59B9}" type="datetimeFigureOut">
               <a:rPr lang="ko-KR" altLang="en-US" smtClean="0"/>
-              <a:t>2018-04-11</a:t>
+              <a:t>2018-04-16</a:t>
             </a:fld>
             <a:endParaRPr lang="ko-KR" altLang="en-US"/>
           </a:p>
@@ -1404,7 +1404,7 @@
           <a:p>
             <a:fld id="{1CDD92D0-BB6B-47DC-8BB1-EB80184E59B9}" type="datetimeFigureOut">
               <a:rPr lang="ko-KR" altLang="en-US" smtClean="0"/>
-              <a:t>2018-04-11</a:t>
+              <a:t>2018-04-16</a:t>
             </a:fld>
             <a:endParaRPr lang="ko-KR" altLang="en-US"/>
           </a:p>
@@ -1816,7 +1816,7 @@
           <a:p>
             <a:fld id="{1CDD92D0-BB6B-47DC-8BB1-EB80184E59B9}" type="datetimeFigureOut">
               <a:rPr lang="ko-KR" altLang="en-US" smtClean="0"/>
-              <a:t>2018-04-11</a:t>
+              <a:t>2018-04-16</a:t>
             </a:fld>
             <a:endParaRPr lang="ko-KR" altLang="en-US"/>
           </a:p>
@@ -1957,7 +1957,7 @@
           <a:p>
             <a:fld id="{1CDD92D0-BB6B-47DC-8BB1-EB80184E59B9}" type="datetimeFigureOut">
               <a:rPr lang="ko-KR" altLang="en-US" smtClean="0"/>
-              <a:t>2018-04-11</a:t>
+              <a:t>2018-04-16</a:t>
             </a:fld>
             <a:endParaRPr lang="ko-KR" altLang="en-US"/>
           </a:p>
@@ -2070,7 +2070,7 @@
           <a:p>
             <a:fld id="{1CDD92D0-BB6B-47DC-8BB1-EB80184E59B9}" type="datetimeFigureOut">
               <a:rPr lang="ko-KR" altLang="en-US" smtClean="0"/>
-              <a:t>2018-04-11</a:t>
+              <a:t>2018-04-16</a:t>
             </a:fld>
             <a:endParaRPr lang="ko-KR" altLang="en-US"/>
           </a:p>
@@ -2381,7 +2381,7 @@
           <a:p>
             <a:fld id="{1CDD92D0-BB6B-47DC-8BB1-EB80184E59B9}" type="datetimeFigureOut">
               <a:rPr lang="ko-KR" altLang="en-US" smtClean="0"/>
-              <a:t>2018-04-11</a:t>
+              <a:t>2018-04-16</a:t>
             </a:fld>
             <a:endParaRPr lang="ko-KR" altLang="en-US"/>
           </a:p>
@@ -2669,7 +2669,7 @@
           <a:p>
             <a:fld id="{1CDD92D0-BB6B-47DC-8BB1-EB80184E59B9}" type="datetimeFigureOut">
               <a:rPr lang="ko-KR" altLang="en-US" smtClean="0"/>
-              <a:t>2018-04-11</a:t>
+              <a:t>2018-04-16</a:t>
             </a:fld>
             <a:endParaRPr lang="ko-KR" altLang="en-US"/>
           </a:p>
@@ -2910,7 +2910,7 @@
           <a:p>
             <a:fld id="{1CDD92D0-BB6B-47DC-8BB1-EB80184E59B9}" type="datetimeFigureOut">
               <a:rPr lang="ko-KR" altLang="en-US" smtClean="0"/>
-              <a:t>2018-04-11</a:t>
+              <a:t>2018-04-16</a:t>
             </a:fld>
             <a:endParaRPr lang="ko-KR" altLang="en-US"/>
           </a:p>
@@ -3844,15 +3844,15 @@
         </p:nvSpPr>
         <p:spPr>
           <a:xfrm>
-            <a:off x="3227059" y="3918088"/>
+            <a:off x="3013788" y="4214785"/>
             <a:ext cx="1847461" cy="811976"/>
           </a:xfrm>
           <a:prstGeom prst="borderCallout1">
             <a:avLst>
               <a:gd name="adj1" fmla="val 49776"/>
               <a:gd name="adj2" fmla="val 758"/>
-              <a:gd name="adj3" fmla="val 9078"/>
-              <a:gd name="adj4" fmla="val -58030"/>
+              <a:gd name="adj3" fmla="val 1258"/>
+              <a:gd name="adj4" fmla="val -59405"/>
             </a:avLst>
           </a:prstGeom>
           <a:ln w="31750"/>
@@ -4168,15 +4168,15 @@
         </p:nvSpPr>
         <p:spPr>
           <a:xfrm>
-            <a:off x="4599993" y="3028897"/>
+            <a:off x="5336593" y="2617024"/>
             <a:ext cx="1847461" cy="811976"/>
           </a:xfrm>
           <a:prstGeom prst="borderCallout1">
             <a:avLst>
               <a:gd name="adj1" fmla="val 49776"/>
               <a:gd name="adj2" fmla="val 758"/>
-              <a:gd name="adj3" fmla="val 9078"/>
-              <a:gd name="adj4" fmla="val -58030"/>
+              <a:gd name="adj3" fmla="val 66949"/>
+              <a:gd name="adj4" fmla="val -97901"/>
             </a:avLst>
           </a:prstGeom>
           <a:ln w="31750"/>
@@ -4205,6 +4205,112 @@
             <a:r>
               <a:rPr lang="ko-KR" altLang="en-US" dirty="0"/>
               <a:t>스킬 합성 메뉴</a:t>
+            </a:r>
+          </a:p>
+        </p:txBody>
+      </p:sp>
+      <p:sp>
+        <p:nvSpPr>
+          <p:cNvPr id="22" name="직사각형 21">
+            <a:extLst>
+              <a:ext uri="{FF2B5EF4-FFF2-40B4-BE49-F238E27FC236}">
+                <a16:creationId xmlns:a16="http://schemas.microsoft.com/office/drawing/2014/main" id="{D3858A7E-5156-4A00-9479-271FF7B3200D}"/>
+              </a:ext>
+            </a:extLst>
+          </p:cNvPr>
+          <p:cNvSpPr/>
+          <p:nvPr/>
+        </p:nvSpPr>
+        <p:spPr>
+          <a:xfrm>
+            <a:off x="2665989" y="3555903"/>
+            <a:ext cx="521231" cy="604264"/>
+          </a:xfrm>
+          <a:prstGeom prst="rect">
+            <a:avLst/>
+          </a:prstGeom>
+          <a:solidFill>
+            <a:schemeClr val="accent1">
+              <a:alpha val="20000"/>
+            </a:schemeClr>
+          </a:solidFill>
+        </p:spPr>
+        <p:style>
+          <a:lnRef idx="2">
+            <a:schemeClr val="accent1">
+              <a:shade val="50000"/>
+            </a:schemeClr>
+          </a:lnRef>
+          <a:fillRef idx="1">
+            <a:schemeClr val="accent1"/>
+          </a:fillRef>
+          <a:effectRef idx="0">
+            <a:schemeClr val="accent1"/>
+          </a:effectRef>
+          <a:fontRef idx="minor">
+            <a:schemeClr val="lt1"/>
+          </a:fontRef>
+        </p:style>
+        <p:txBody>
+          <a:bodyPr rtlCol="0" anchor="ctr"/>
+          <a:lstStyle/>
+          <a:p>
+            <a:pPr algn="ctr"/>
+            <a:endParaRPr lang="ko-KR" altLang="en-US"/>
+          </a:p>
+        </p:txBody>
+      </p:sp>
+      <p:sp>
+        <p:nvSpPr>
+          <p:cNvPr id="23" name="설명선: 선 22">
+            <a:extLst>
+              <a:ext uri="{FF2B5EF4-FFF2-40B4-BE49-F238E27FC236}">
+                <a16:creationId xmlns:a16="http://schemas.microsoft.com/office/drawing/2014/main" id="{F2B7C3D7-072D-483B-B4A3-06A57E619FE4}"/>
+              </a:ext>
+            </a:extLst>
+          </p:cNvPr>
+          <p:cNvSpPr/>
+          <p:nvPr/>
+        </p:nvSpPr>
+        <p:spPr>
+          <a:xfrm>
+            <a:off x="5336593" y="3580515"/>
+            <a:ext cx="1847461" cy="811976"/>
+          </a:xfrm>
+          <a:prstGeom prst="borderCallout1">
+            <a:avLst>
+              <a:gd name="adj1" fmla="val 49776"/>
+              <a:gd name="adj2" fmla="val 758"/>
+              <a:gd name="adj3" fmla="val 41924"/>
+              <a:gd name="adj4" fmla="val -112337"/>
+            </a:avLst>
+          </a:prstGeom>
+          <a:ln w="31750"/>
+        </p:spPr>
+        <p:style>
+          <a:lnRef idx="2">
+            <a:schemeClr val="dk1">
+              <a:shade val="50000"/>
+            </a:schemeClr>
+          </a:lnRef>
+          <a:fillRef idx="1">
+            <a:schemeClr val="dk1"/>
+          </a:fillRef>
+          <a:effectRef idx="0">
+            <a:schemeClr val="dk1"/>
+          </a:effectRef>
+          <a:fontRef idx="minor">
+            <a:schemeClr val="lt1"/>
+          </a:fontRef>
+        </p:style>
+        <p:txBody>
+          <a:bodyPr rtlCol="0" anchor="ctr"/>
+          <a:lstStyle/>
+          <a:p>
+            <a:pPr algn="ctr"/>
+            <a:r>
+              <a:rPr lang="ko-KR" altLang="en-US" dirty="0"/>
+              <a:t>상호작용 키</a:t>
             </a:r>
           </a:p>
         </p:txBody>
@@ -4283,7 +4389,7 @@
         </p:nvSpPr>
         <p:spPr>
           <a:xfrm>
-            <a:off x="391885" y="923731"/>
+            <a:off x="391885" y="1642187"/>
             <a:ext cx="1642188" cy="587828"/>
           </a:xfrm>
           <a:prstGeom prst="rect">
@@ -4681,7 +4787,7 @@
         </p:nvSpPr>
         <p:spPr>
           <a:xfrm>
-            <a:off x="391885" y="1698172"/>
+            <a:off x="10002672" y="1642187"/>
             <a:ext cx="1642188" cy="587828"/>
           </a:xfrm>
           <a:prstGeom prst="rect">
@@ -4730,7 +4836,7 @@
         </p:nvSpPr>
         <p:spPr>
           <a:xfrm>
-            <a:off x="3987280" y="676469"/>
+            <a:off x="6247880" y="695131"/>
             <a:ext cx="1741716" cy="587828"/>
           </a:xfrm>
           <a:prstGeom prst="rect">
@@ -4763,6 +4869,55 @@
               <a:t>메뉴 및 나가기</a:t>
             </a:r>
             <a:endParaRPr lang="ko-KR" altLang="en-US" dirty="0"/>
+          </a:p>
+        </p:txBody>
+      </p:sp>
+      <p:sp>
+        <p:nvSpPr>
+          <p:cNvPr id="15" name="직사각형 14">
+            <a:extLst>
+              <a:ext uri="{FF2B5EF4-FFF2-40B4-BE49-F238E27FC236}">
+                <a16:creationId xmlns:a16="http://schemas.microsoft.com/office/drawing/2014/main" id="{D70166D1-F763-431E-98B8-286CFE2F79D9}"/>
+              </a:ext>
+            </a:extLst>
+          </p:cNvPr>
+          <p:cNvSpPr/>
+          <p:nvPr/>
+        </p:nvSpPr>
+        <p:spPr>
+          <a:xfrm>
+            <a:off x="292357" y="760445"/>
+            <a:ext cx="1741716" cy="587828"/>
+          </a:xfrm>
+          <a:prstGeom prst="rect">
+            <a:avLst/>
+          </a:prstGeom>
+        </p:spPr>
+        <p:style>
+          <a:lnRef idx="2">
+            <a:schemeClr val="dk1">
+              <a:shade val="50000"/>
+            </a:schemeClr>
+          </a:lnRef>
+          <a:fillRef idx="1">
+            <a:schemeClr val="dk1"/>
+          </a:fillRef>
+          <a:effectRef idx="0">
+            <a:schemeClr val="dk1"/>
+          </a:effectRef>
+          <a:fontRef idx="minor">
+            <a:schemeClr val="lt1"/>
+          </a:fontRef>
+        </p:style>
+        <p:txBody>
+          <a:bodyPr rtlCol="0" anchor="ctr"/>
+          <a:lstStyle/>
+          <a:p>
+            <a:pPr algn="ctr"/>
+            <a:r>
+              <a:rPr lang="ko-KR" altLang="en-US" dirty="0"/>
+              <a:t>상호작용 키</a:t>
+            </a:r>
           </a:p>
         </p:txBody>
       </p:sp>
